--- a/Wastewater Metagenomic Viral Detection Tool Assessment-1218-updated.pptx
+++ b/Wastewater Metagenomic Viral Detection Tool Assessment-1218-updated.pptx
@@ -5903,18 +5903,25 @@
               <a:t>Consensus Set</a:t>
             </a:r>
             <a:r>
-              <a:rPr lang="en-US" dirty="0">
+              <a:rPr lang="en-US">
                 <a:latin typeface="Times New Roman" panose="02020603050405020304" pitchFamily="18" charset="0"/>
                 <a:cs typeface="Times New Roman" panose="02020603050405020304" pitchFamily="18" charset="0"/>
               </a:rPr>
               <a:t>: </a:t>
             </a:r>
             <a:r>
+              <a:rPr lang="en-US" sz="3100">
+                <a:latin typeface="Times New Roman" panose="02020603050405020304" pitchFamily="18" charset="0"/>
+                <a:cs typeface="Times New Roman" panose="02020603050405020304" pitchFamily="18" charset="0"/>
+              </a:rPr>
+              <a:t>dual-track </a:t>
+            </a:r>
+            <a:r>
               <a:rPr lang="en-US" sz="3100" dirty="0">
                 <a:latin typeface="Times New Roman" panose="02020603050405020304" pitchFamily="18" charset="0"/>
                 <a:cs typeface="Times New Roman" panose="02020603050405020304" pitchFamily="18" charset="0"/>
               </a:rPr>
-              <a:t>Consensus set: dual-track overlap is more reliable, using Kraken2 for contigs and DIAMOND for proteins.</a:t>
+              <a:t>overlap is more reliable, using Kraken2 for contigs and DIAMOND for proteins.</a:t>
             </a:r>
           </a:p>
           <a:p>
